--- a/Week2-2-Arduino.pptx
+++ b/Week2-2-Arduino.pptx
@@ -917,17 +917,13 @@
           <a:p>
             <a:r>
               <a:rPr lang="en-US" altLang="ko-KR" dirty="0" smtClean="0"/>
-              <a:t>Solution </a:t>
-            </a:r>
-            <a:r>
-              <a:rPr lang="en-US" altLang="ko-KR" smtClean="0"/>
-              <a:t>when you</a:t>
-            </a:r>
-            <a:r>
-              <a:rPr lang="en-US" altLang="ko-KR" baseline="0" smtClean="0"/>
+              <a:t>Solution when you</a:t>
+            </a:r>
+            <a:r>
+              <a:rPr lang="en-US" altLang="ko-KR" baseline="0" dirty="0" smtClean="0"/>
               <a:t> are away</a:t>
             </a:r>
-            <a:endParaRPr lang="ko-KR" altLang="en-US"/>
+            <a:endParaRPr lang="ko-KR" altLang="en-US" dirty="0"/>
           </a:p>
         </p:txBody>
       </p:sp>
@@ -6862,15 +6858,7 @@
             <a:pPr lvl="1"/>
             <a:r>
               <a:rPr lang="en-US" altLang="ko-KR" dirty="0" smtClean="0"/>
-              <a:t>Submit your assignment in </a:t>
-            </a:r>
-            <a:r>
-              <a:rPr lang="en-US" altLang="ko-KR" dirty="0" smtClean="0"/>
-              <a:t>power point </a:t>
-            </a:r>
-            <a:r>
-              <a:rPr lang="en-US" altLang="ko-KR" dirty="0" smtClean="0"/>
-              <a:t>format (PPT)</a:t>
+              <a:t>Submit your assignment in power point format (PPT)</a:t>
             </a:r>
           </a:p>
           <a:p>
